--- a/2017/assets/files/L09/L09-Sinadura ECM Protocol-based signatures for Alfresco [Lightning Talk (5 m)].pptx
+++ b/2017/assets/files/L09/L09-Sinadura ECM Protocol-based signatures for Alfresco [Lightning Talk (5 m)].pptx
@@ -5575,7 +5575,7 @@
         <p:spPr>
           <a:xfrm>
             <a:off x="311760" y="744480"/>
-            <a:ext cx="8516160" cy="2048400"/>
+            <a:ext cx="8515800" cy="2048040"/>
           </a:xfrm>
           <a:prstGeom prst="rect">
             <a:avLst/>
@@ -5706,7 +5706,7 @@
         <p:spPr>
           <a:xfrm>
             <a:off x="311760" y="2834280"/>
-            <a:ext cx="8516160" cy="1314720"/>
+            <a:ext cx="8515800" cy="1314360"/>
           </a:xfrm>
           <a:prstGeom prst="rect">
             <a:avLst/>
@@ -5827,7 +5827,7 @@
         <p:spPr>
           <a:xfrm>
             <a:off x="311760" y="444960"/>
-            <a:ext cx="8516160" cy="568440"/>
+            <a:ext cx="8515800" cy="568080"/>
           </a:xfrm>
           <a:prstGeom prst="rect">
             <a:avLst/>
@@ -5889,7 +5889,7 @@
         <p:spPr>
           <a:xfrm>
             <a:off x="396000" y="3861720"/>
-            <a:ext cx="5252040" cy="526320"/>
+            <a:ext cx="5251680" cy="525960"/>
           </a:xfrm>
           <a:prstGeom prst="rect">
             <a:avLst/>
@@ -5946,7 +5946,7 @@
         <p:spPr>
           <a:xfrm>
             <a:off x="396000" y="4293720"/>
-            <a:ext cx="5252040" cy="526320"/>
+            <a:ext cx="5251680" cy="525960"/>
           </a:xfrm>
           <a:prstGeom prst="rect">
             <a:avLst/>
@@ -6007,7 +6007,7 @@
         <p:spPr>
           <a:xfrm>
             <a:off x="426600" y="1239120"/>
-            <a:ext cx="8281440" cy="2291400"/>
+            <a:ext cx="8281080" cy="2291040"/>
           </a:xfrm>
           <a:prstGeom prst="rect">
             <a:avLst/>
@@ -6085,7 +6085,7 @@
         <p:spPr>
           <a:xfrm>
             <a:off x="311760" y="444960"/>
-            <a:ext cx="8516160" cy="568440"/>
+            <a:ext cx="8515800" cy="568080"/>
           </a:xfrm>
           <a:prstGeom prst="rect">
             <a:avLst/>
@@ -6147,7 +6147,7 @@
         <p:spPr>
           <a:xfrm>
             <a:off x="7236000" y="504000"/>
-            <a:ext cx="2120040" cy="526320"/>
+            <a:ext cx="2119680" cy="525960"/>
           </a:xfrm>
           <a:prstGeom prst="rect">
             <a:avLst/>
@@ -6208,7 +6208,7 @@
         <p:spPr>
           <a:xfrm>
             <a:off x="1872000" y="1152000"/>
-            <a:ext cx="5455800" cy="3740040"/>
+            <a:ext cx="5455440" cy="3739680"/>
           </a:xfrm>
           <a:prstGeom prst="rect">
             <a:avLst/>
@@ -6286,7 +6286,7 @@
         <p:spPr>
           <a:xfrm>
             <a:off x="311760" y="444960"/>
-            <a:ext cx="8516160" cy="568440"/>
+            <a:ext cx="8515800" cy="568080"/>
           </a:xfrm>
           <a:prstGeom prst="rect">
             <a:avLst/>
@@ -6352,7 +6352,7 @@
         <p:spPr>
           <a:xfrm>
             <a:off x="2520000" y="1140120"/>
-            <a:ext cx="4244040" cy="3787920"/>
+            <a:ext cx="4243680" cy="3787560"/>
           </a:xfrm>
           <a:prstGeom prst="rect">
             <a:avLst/>
@@ -6371,7 +6371,7 @@
         <p:spPr>
           <a:xfrm>
             <a:off x="7236000" y="504000"/>
-            <a:ext cx="2120040" cy="526320"/>
+            <a:ext cx="2119680" cy="525960"/>
           </a:xfrm>
           <a:prstGeom prst="rect">
             <a:avLst/>
@@ -6487,7 +6487,7 @@
         <p:spPr>
           <a:xfrm>
             <a:off x="311760" y="444960"/>
-            <a:ext cx="8516160" cy="568440"/>
+            <a:ext cx="8515800" cy="568080"/>
           </a:xfrm>
           <a:prstGeom prst="rect">
             <a:avLst/>
@@ -6549,7 +6549,7 @@
         <p:spPr>
           <a:xfrm>
             <a:off x="635760" y="1188360"/>
-            <a:ext cx="8516160" cy="3412080"/>
+            <a:ext cx="8515800" cy="3411720"/>
           </a:xfrm>
           <a:prstGeom prst="rect">
             <a:avLst/>
@@ -6619,7 +6619,7 @@
             </a:endParaRPr>
           </a:p>
           <a:p>
-            <a:pPr marL="432000" indent="-320040">
+            <a:pPr marL="432000" indent="-319680">
               <a:lnSpc>
                 <a:spcPct val="100000"/>
               </a:lnSpc>
@@ -6658,7 +6658,7 @@
             </a:endParaRPr>
           </a:p>
           <a:p>
-            <a:pPr marL="432000" indent="-320040">
+            <a:pPr marL="432000" indent="-319680">
               <a:lnSpc>
                 <a:spcPct val="100000"/>
               </a:lnSpc>
@@ -6781,7 +6781,7 @@
             </a:endParaRPr>
           </a:p>
           <a:p>
-            <a:pPr marL="432000" indent="-320040">
+            <a:pPr marL="432000" indent="-319680">
               <a:lnSpc>
                 <a:spcPct val="100000"/>
               </a:lnSpc>
@@ -6820,7 +6820,7 @@
             </a:endParaRPr>
           </a:p>
           <a:p>
-            <a:pPr marL="432000" indent="-320040">
+            <a:pPr marL="432000" indent="-319680">
               <a:lnSpc>
                 <a:spcPct val="100000"/>
               </a:lnSpc>
@@ -6859,7 +6859,7 @@
             </a:endParaRPr>
           </a:p>
           <a:p>
-            <a:pPr marL="432000" indent="-320040">
+            <a:pPr marL="432000" indent="-319680">
               <a:lnSpc>
                 <a:spcPct val="100000"/>
               </a:lnSpc>
@@ -6912,7 +6912,7 @@
         <p:spPr>
           <a:xfrm>
             <a:off x="6237360" y="3286800"/>
-            <a:ext cx="2183040" cy="777600"/>
+            <a:ext cx="2182680" cy="777240"/>
           </a:xfrm>
           <a:prstGeom prst="rect">
             <a:avLst/>
@@ -6935,7 +6935,7 @@
         <p:spPr>
           <a:xfrm>
             <a:off x="7037280" y="441360"/>
-            <a:ext cx="698760" cy="644040"/>
+            <a:ext cx="698400" cy="643680"/>
           </a:xfrm>
           <a:prstGeom prst="rect">
             <a:avLst/>
@@ -6954,7 +6954,7 @@
         <p:spPr>
           <a:xfrm>
             <a:off x="576000" y="4365720"/>
-            <a:ext cx="8312040" cy="310320"/>
+            <a:ext cx="8311680" cy="309960"/>
           </a:xfrm>
           <a:prstGeom prst="rect">
             <a:avLst/>
@@ -6973,7 +6973,7 @@
         <p:txBody>
           <a:bodyPr lIns="90000" rIns="90000" tIns="45000" bIns="45000"/>
           <a:p>
-            <a:pPr marL="216000" indent="-212040">
+            <a:pPr marL="216000" indent="-211680">
               <a:lnSpc>
                 <a:spcPct val="100000"/>
               </a:lnSpc>
@@ -7021,8 +7021,8 @@
         </p:nvSpPr>
         <p:spPr>
           <a:xfrm>
-            <a:off x="6406920" y="1641240"/>
-            <a:ext cx="1884960" cy="272520"/>
+            <a:off x="5688000" y="1641240"/>
+            <a:ext cx="3323520" cy="272160"/>
           </a:xfrm>
           <a:prstGeom prst="rect">
             <a:avLst/>
@@ -7042,7 +7042,7 @@
           <a:bodyPr lIns="90000" rIns="90000" tIns="45000" bIns="45000"/>
           <a:p>
             <a:r>
-              <a:rPr b="0" lang="es-ES" sz="1230" spc="-1" strike="noStrike">
+              <a:rPr b="1" lang="es-ES" sz="1230" spc="-1" strike="noStrike">
                 <a:solidFill>
                   <a:srgbClr val="000000"/>
                 </a:solidFill>
@@ -7053,6 +7053,37 @@
                 </a:uFill>
                 <a:latin typeface="Cambria"/>
                 <a:ea typeface="DejaVu Sans"/>
+              </a:rPr>
+              <a:t>Video Demo</a:t>
+            </a:r>
+            <a:r>
+              <a:rPr b="0" lang="es-ES" sz="1230" spc="-1" strike="noStrike">
+                <a:solidFill>
+                  <a:srgbClr val="000000"/>
+                </a:solidFill>
+                <a:uFill>
+                  <a:solidFill>
+                    <a:srgbClr val="ffffff"/>
+                  </a:solidFill>
+                </a:uFill>
+                <a:latin typeface="Cambria"/>
+                <a:ea typeface="DejaVu Sans"/>
+              </a:rPr>
+              <a:t> → </a:t>
+            </a:r>
+            <a:r>
+              <a:rPr b="0" lang="es-ES" sz="1230" spc="-1" strike="noStrike">
+                <a:solidFill>
+                  <a:srgbClr val="000000"/>
+                </a:solidFill>
+                <a:uFill>
+                  <a:solidFill>
+                    <a:srgbClr val="ffffff"/>
+                  </a:solidFill>
+                </a:uFill>
+                <a:latin typeface="Cambria"/>
+                <a:ea typeface="DejaVu Sans"/>
+                <a:hlinkClick r:id="rId4"/>
               </a:rPr>
               <a:t>https://goo.gl/tR5ZBD</a:t>
             </a:r>
@@ -7138,7 +7169,7 @@
         <p:spPr>
           <a:xfrm>
             <a:off x="311760" y="444960"/>
-            <a:ext cx="8516160" cy="568440"/>
+            <a:ext cx="8515800" cy="568080"/>
           </a:xfrm>
           <a:prstGeom prst="rect">
             <a:avLst/>
@@ -7200,7 +7231,7 @@
         <p:spPr>
           <a:xfrm>
             <a:off x="599760" y="1152360"/>
-            <a:ext cx="8468280" cy="3412080"/>
+            <a:ext cx="8467920" cy="3411720"/>
           </a:xfrm>
           <a:prstGeom prst="rect">
             <a:avLst/>
@@ -7270,7 +7301,7 @@
             </a:endParaRPr>
           </a:p>
           <a:p>
-            <a:pPr marL="432000" indent="-320040">
+            <a:pPr marL="432000" indent="-319680">
               <a:lnSpc>
                 <a:spcPct val="100000"/>
               </a:lnSpc>
@@ -7378,7 +7409,7 @@
             </a:endParaRPr>
           </a:p>
           <a:p>
-            <a:pPr marL="432000" indent="-320040">
+            <a:pPr marL="432000" indent="-319680">
               <a:lnSpc>
                 <a:spcPct val="100000"/>
               </a:lnSpc>
@@ -7402,7 +7433,7 @@
                 <a:latin typeface="Arial"/>
                 <a:ea typeface="Arial"/>
               </a:rPr>
-              <a:t>Translate Sinadura client → Thanks to Douglas C.R. Paes for Brazilian-Portuguese translation</a:t>
+              <a:t>Translate Sinadura Desktop → Thanks to Douglas C.R. Paes for Brazilian-Portuguese translation</a:t>
             </a:r>
             <a:endParaRPr b="0" lang="es-ES" sz="1800" spc="-1" strike="noStrike">
               <a:solidFill>
@@ -7417,7 +7448,7 @@
             </a:endParaRPr>
           </a:p>
           <a:p>
-            <a:pPr marL="432000" indent="-320040">
+            <a:pPr marL="432000" indent="-319680">
               <a:lnSpc>
                 <a:spcPct val="100000"/>
               </a:lnSpc>
@@ -7456,7 +7487,7 @@
             </a:endParaRPr>
           </a:p>
           <a:p>
-            <a:pPr marL="432000" indent="-320040">
+            <a:pPr marL="432000" indent="-319680">
               <a:lnSpc>
                 <a:spcPct val="100000"/>
               </a:lnSpc>
@@ -7495,7 +7526,7 @@
             </a:endParaRPr>
           </a:p>
           <a:p>
-            <a:pPr marL="432000" indent="-320040">
+            <a:pPr marL="432000" indent="-319680">
               <a:lnSpc>
                 <a:spcPct val="100000"/>
               </a:lnSpc>
@@ -7570,7 +7601,7 @@
             </a:endParaRPr>
           </a:p>
           <a:p>
-            <a:pPr marL="457200" indent="-313200">
+            <a:pPr marL="457200" indent="-312840">
               <a:lnSpc>
                 <a:spcPct val="100000"/>
               </a:lnSpc>
@@ -7588,7 +7619,7 @@
             </a:endParaRPr>
           </a:p>
           <a:p>
-            <a:pPr marL="457200" indent="-313200">
+            <a:pPr marL="457200" indent="-312840">
               <a:lnSpc>
                 <a:spcPct val="100000"/>
               </a:lnSpc>
@@ -7675,7 +7706,7 @@
         <p:spPr>
           <a:xfrm>
             <a:off x="311760" y="-155520"/>
-            <a:ext cx="8516160" cy="2048400"/>
+            <a:ext cx="8515800" cy="2048040"/>
           </a:xfrm>
           <a:prstGeom prst="rect">
             <a:avLst/>
@@ -7737,7 +7768,7 @@
         <p:spPr>
           <a:xfrm>
             <a:off x="311760" y="2834280"/>
-            <a:ext cx="8516160" cy="1314720"/>
+            <a:ext cx="8515800" cy="1314360"/>
           </a:xfrm>
           <a:prstGeom prst="rect">
             <a:avLst/>
@@ -7868,7 +7899,7 @@
         <p:spPr>
           <a:xfrm>
             <a:off x="2016000" y="4432680"/>
-            <a:ext cx="5756040" cy="617040"/>
+            <a:ext cx="5755680" cy="616680"/>
           </a:xfrm>
           <a:prstGeom prst="rect">
             <a:avLst/>
@@ -7984,7 +8015,7 @@
         <p:spPr>
           <a:xfrm>
             <a:off x="311760" y="444960"/>
-            <a:ext cx="8516160" cy="568440"/>
+            <a:ext cx="8515800" cy="568080"/>
           </a:xfrm>
           <a:prstGeom prst="rect">
             <a:avLst/>
@@ -8046,7 +8077,7 @@
         <p:spPr>
           <a:xfrm>
             <a:off x="311760" y="1152360"/>
-            <a:ext cx="8252280" cy="3412080"/>
+            <a:ext cx="8251920" cy="3411720"/>
           </a:xfrm>
           <a:prstGeom prst="rect">
             <a:avLst/>
@@ -8116,7 +8147,7 @@
             </a:endParaRPr>
           </a:p>
           <a:p>
-            <a:pPr marL="457200" indent="-313200">
+            <a:pPr marL="457200" indent="-312840">
               <a:lnSpc>
                 <a:spcPct val="100000"/>
               </a:lnSpc>
@@ -8134,7 +8165,7 @@
             </a:endParaRPr>
           </a:p>
           <a:p>
-            <a:pPr marL="457200" indent="-313200">
+            <a:pPr marL="457200" indent="-312840">
               <a:lnSpc>
                 <a:spcPct val="100000"/>
               </a:lnSpc>
@@ -8166,7 +8197,7 @@
         <p:spPr>
           <a:xfrm>
             <a:off x="468000" y="2952000"/>
-            <a:ext cx="3119040" cy="1112040"/>
+            <a:ext cx="3118680" cy="1111680"/>
           </a:xfrm>
           <a:prstGeom prst="rect">
             <a:avLst/>
@@ -8189,7 +8220,7 @@
         <p:spPr>
           <a:xfrm>
             <a:off x="8352000" y="4250880"/>
-            <a:ext cx="698760" cy="644040"/>
+            <a:ext cx="698400" cy="643680"/>
           </a:xfrm>
           <a:prstGeom prst="rect">
             <a:avLst/>
@@ -8208,7 +8239,7 @@
         <p:spPr>
           <a:xfrm>
             <a:off x="396000" y="4365720"/>
-            <a:ext cx="3596040" cy="598320"/>
+            <a:ext cx="3595680" cy="597960"/>
           </a:xfrm>
           <a:prstGeom prst="rect">
             <a:avLst/>
@@ -8265,7 +8296,7 @@
         <p:spPr>
           <a:xfrm>
             <a:off x="371880" y="2224080"/>
-            <a:ext cx="4772160" cy="598320"/>
+            <a:ext cx="4771800" cy="597960"/>
           </a:xfrm>
           <a:prstGeom prst="rect">
             <a:avLst/>
@@ -8381,7 +8412,7 @@
         <p:spPr>
           <a:xfrm>
             <a:off x="311760" y="444960"/>
-            <a:ext cx="8516160" cy="568440"/>
+            <a:ext cx="8515800" cy="568080"/>
           </a:xfrm>
           <a:prstGeom prst="rect">
             <a:avLst/>
@@ -8438,7 +8469,7 @@
         <p:spPr>
           <a:xfrm>
             <a:off x="326520" y="1152360"/>
-            <a:ext cx="8516160" cy="3412080"/>
+            <a:ext cx="8515800" cy="3411720"/>
           </a:xfrm>
           <a:prstGeom prst="rect">
             <a:avLst/>
@@ -8523,7 +8554,7 @@
             </a:endParaRPr>
           </a:p>
           <a:p>
-            <a:pPr marL="432000" indent="-320040">
+            <a:pPr marL="432000" indent="-319680">
               <a:lnSpc>
                 <a:spcPct val="100000"/>
               </a:lnSpc>
@@ -8592,7 +8623,7 @@
             </a:endParaRPr>
           </a:p>
           <a:p>
-            <a:pPr marL="432000" indent="-320040">
+            <a:pPr marL="432000" indent="-319680">
               <a:lnSpc>
                 <a:spcPct val="100000"/>
               </a:lnSpc>
@@ -8661,7 +8692,7 @@
             </a:endParaRPr>
           </a:p>
           <a:p>
-            <a:pPr marL="432000" indent="-320040">
+            <a:pPr marL="432000" indent="-319680">
               <a:lnSpc>
                 <a:spcPct val="100000"/>
               </a:lnSpc>
@@ -8730,7 +8761,7 @@
             </a:endParaRPr>
           </a:p>
           <a:p>
-            <a:pPr marL="432000" indent="-320040">
+            <a:pPr marL="432000" indent="-319680">
               <a:lnSpc>
                 <a:spcPct val="100000"/>
               </a:lnSpc>
@@ -8742,7 +8773,7 @@
               <a:buChar char=""/>
             </a:pPr>
             <a:r>
-              <a:rPr b="1" lang="es-ES" sz="1600" spc="-1" strike="noStrike">
+              <a:rPr b="0" lang="es-ES" sz="1600" spc="-1" strike="noStrike">
                 <a:solidFill>
                   <a:srgbClr val="303030"/>
                 </a:solidFill>
@@ -8754,22 +8785,7 @@
                 <a:latin typeface="Arial"/>
                 <a:ea typeface="Arial"/>
               </a:rPr>
-              <a:t>sinadura://</a:t>
-            </a:r>
-            <a:r>
-              <a:rPr b="0" lang="es-ES" sz="1600" spc="-1" strike="noStrike">
-                <a:solidFill>
-                  <a:srgbClr val="303030"/>
-                </a:solidFill>
-                <a:uFill>
-                  <a:solidFill>
-                    <a:srgbClr val="ffffff"/>
-                  </a:solidFill>
-                </a:uFill>
-                <a:latin typeface="Arial"/>
-                <a:ea typeface="Arial"/>
-              </a:rPr>
-              <a:t> URL-scheme is installed on your operating system.</a:t>
+              <a:t> </a:t>
             </a:r>
             <a:endParaRPr b="0" lang="es-ES" sz="1800" spc="-1" strike="noStrike">
               <a:solidFill>
@@ -8784,7 +8800,7 @@
             </a:endParaRPr>
           </a:p>
           <a:p>
-            <a:pPr marL="457200" indent="-313200">
+            <a:pPr marL="457200" indent="-312840">
               <a:lnSpc>
                 <a:spcPct val="100000"/>
               </a:lnSpc>
@@ -8802,7 +8818,7 @@
             </a:endParaRPr>
           </a:p>
           <a:p>
-            <a:pPr marL="457200" indent="-313200">
+            <a:pPr marL="457200" indent="-312840">
               <a:lnSpc>
                 <a:spcPct val="100000"/>
               </a:lnSpc>
@@ -8830,7 +8846,7 @@
         <p:spPr>
           <a:xfrm>
             <a:off x="3181680" y="4540320"/>
-            <a:ext cx="2934360" cy="351720"/>
+            <a:ext cx="2934000" cy="351360"/>
           </a:xfrm>
           <a:prstGeom prst="rect">
             <a:avLst/>
@@ -8891,7 +8907,7 @@
         <p:spPr>
           <a:xfrm>
             <a:off x="8348760" y="4320000"/>
-            <a:ext cx="575280" cy="575280"/>
+            <a:ext cx="574920" cy="574920"/>
           </a:xfrm>
           <a:prstGeom prst="rect">
             <a:avLst/>
@@ -8969,7 +8985,7 @@
         <p:spPr>
           <a:xfrm>
             <a:off x="311760" y="444960"/>
-            <a:ext cx="8516160" cy="568440"/>
+            <a:ext cx="8515800" cy="568080"/>
           </a:xfrm>
           <a:prstGeom prst="rect">
             <a:avLst/>
@@ -9026,7 +9042,7 @@
         <p:spPr>
           <a:xfrm>
             <a:off x="3181680" y="4680000"/>
-            <a:ext cx="2934360" cy="351720"/>
+            <a:ext cx="2934000" cy="351360"/>
           </a:xfrm>
           <a:prstGeom prst="rect">
             <a:avLst/>
@@ -9087,7 +9103,7 @@
         <p:spPr>
           <a:xfrm>
             <a:off x="8348760" y="4320000"/>
-            <a:ext cx="575280" cy="575280"/>
+            <a:ext cx="574920" cy="574920"/>
           </a:xfrm>
           <a:prstGeom prst="rect">
             <a:avLst/>
@@ -9110,7 +9126,7 @@
         <p:spPr>
           <a:xfrm>
             <a:off x="1512000" y="1094760"/>
-            <a:ext cx="6260040" cy="3473280"/>
+            <a:ext cx="6259680" cy="3472920"/>
           </a:xfrm>
           <a:prstGeom prst="rect">
             <a:avLst/>
@@ -9129,7 +9145,7 @@
         <p:spPr>
           <a:xfrm>
             <a:off x="2268000" y="3924000"/>
-            <a:ext cx="4568040" cy="342360"/>
+            <a:ext cx="4567680" cy="342000"/>
           </a:xfrm>
           <a:prstGeom prst="rect">
             <a:avLst/>
@@ -9245,7 +9261,7 @@
         <p:spPr>
           <a:xfrm>
             <a:off x="311760" y="444960"/>
-            <a:ext cx="8516160" cy="568440"/>
+            <a:ext cx="8515800" cy="568080"/>
           </a:xfrm>
           <a:prstGeom prst="rect">
             <a:avLst/>
@@ -9306,7 +9322,7 @@
         <p:spPr>
           <a:xfrm>
             <a:off x="8348760" y="4320000"/>
-            <a:ext cx="575280" cy="575280"/>
+            <a:ext cx="574920" cy="574920"/>
           </a:xfrm>
           <a:prstGeom prst="rect">
             <a:avLst/>
@@ -9329,7 +9345,7 @@
         <p:spPr>
           <a:xfrm>
             <a:off x="1512000" y="1135800"/>
-            <a:ext cx="6381360" cy="3252240"/>
+            <a:ext cx="6381000" cy="3251880"/>
           </a:xfrm>
           <a:prstGeom prst="rect">
             <a:avLst/>
@@ -9348,7 +9364,7 @@
         <p:spPr>
           <a:xfrm>
             <a:off x="1800000" y="4680000"/>
-            <a:ext cx="6584040" cy="598320"/>
+            <a:ext cx="6583680" cy="597960"/>
           </a:xfrm>
           <a:prstGeom prst="rect">
             <a:avLst/>
@@ -9464,7 +9480,7 @@
         <p:spPr>
           <a:xfrm>
             <a:off x="311760" y="444960"/>
-            <a:ext cx="8516160" cy="568440"/>
+            <a:ext cx="8515800" cy="568080"/>
           </a:xfrm>
           <a:prstGeom prst="rect">
             <a:avLst/>
@@ -9526,7 +9542,7 @@
         <p:spPr>
           <a:xfrm>
             <a:off x="347760" y="1152360"/>
-            <a:ext cx="8516160" cy="3412080"/>
+            <a:ext cx="8515800" cy="3411720"/>
           </a:xfrm>
           <a:prstGeom prst="rect">
             <a:avLst/>
@@ -9581,7 +9597,7 @@
             </a:endParaRPr>
           </a:p>
           <a:p>
-            <a:pPr marL="432000" indent="-320040">
+            <a:pPr marL="432000" indent="-319680">
               <a:lnSpc>
                 <a:spcPct val="100000"/>
               </a:lnSpc>
@@ -9650,7 +9666,7 @@
             </a:endParaRPr>
           </a:p>
           <a:p>
-            <a:pPr marL="432000" indent="-320040">
+            <a:pPr marL="432000" indent="-319680">
               <a:lnSpc>
                 <a:spcPct val="100000"/>
               </a:lnSpc>
@@ -9689,7 +9705,7 @@
             </a:endParaRPr>
           </a:p>
           <a:p>
-            <a:pPr marL="432000" indent="-320040">
+            <a:pPr marL="432000" indent="-319680">
               <a:lnSpc>
                 <a:spcPct val="100000"/>
               </a:lnSpc>
@@ -9728,7 +9744,7 @@
             </a:endParaRPr>
           </a:p>
           <a:p>
-            <a:pPr marL="432000" indent="-320040">
+            <a:pPr marL="432000" indent="-319680">
               <a:lnSpc>
                 <a:spcPct val="100000"/>
               </a:lnSpc>
@@ -9767,7 +9783,7 @@
             </a:endParaRPr>
           </a:p>
           <a:p>
-            <a:pPr marL="432000" indent="-320040">
+            <a:pPr marL="432000" indent="-319680">
               <a:lnSpc>
                 <a:spcPct val="100000"/>
               </a:lnSpc>
@@ -9842,7 +9858,7 @@
             </a:endParaRPr>
           </a:p>
           <a:p>
-            <a:pPr marL="457200" indent="-313200">
+            <a:pPr marL="457200" indent="-312840">
               <a:lnSpc>
                 <a:spcPct val="100000"/>
               </a:lnSpc>
@@ -9860,7 +9876,7 @@
             </a:endParaRPr>
           </a:p>
           <a:p>
-            <a:pPr marL="457200" indent="-313200">
+            <a:pPr marL="457200" indent="-312840">
               <a:lnSpc>
                 <a:spcPct val="100000"/>
               </a:lnSpc>
@@ -9947,7 +9963,7 @@
         <p:spPr>
           <a:xfrm>
             <a:off x="311760" y="444960"/>
-            <a:ext cx="8516160" cy="568440"/>
+            <a:ext cx="8515800" cy="568080"/>
           </a:xfrm>
           <a:prstGeom prst="rect">
             <a:avLst/>
@@ -10013,7 +10029,7 @@
         <p:spPr>
           <a:xfrm>
             <a:off x="1728000" y="1116000"/>
-            <a:ext cx="5657760" cy="3782880"/>
+            <a:ext cx="5657400" cy="3782520"/>
           </a:xfrm>
           <a:prstGeom prst="rect">
             <a:avLst/>
@@ -10091,7 +10107,7 @@
         <p:spPr>
           <a:xfrm>
             <a:off x="311760" y="444960"/>
-            <a:ext cx="8516160" cy="568440"/>
+            <a:ext cx="8515800" cy="568080"/>
           </a:xfrm>
           <a:prstGeom prst="rect">
             <a:avLst/>
@@ -10153,7 +10169,7 @@
         <p:spPr>
           <a:xfrm>
             <a:off x="563760" y="1404360"/>
-            <a:ext cx="8516160" cy="3412080"/>
+            <a:ext cx="8515800" cy="3411720"/>
           </a:xfrm>
           <a:prstGeom prst="rect">
             <a:avLst/>
@@ -10223,7 +10239,7 @@
             </a:endParaRPr>
           </a:p>
           <a:p>
-            <a:pPr marL="432000" indent="-320040">
+            <a:pPr marL="432000" indent="-319680">
               <a:lnSpc>
                 <a:spcPct val="100000"/>
               </a:lnSpc>
@@ -10247,7 +10263,7 @@
                 <a:latin typeface="Arial"/>
                 <a:ea typeface="Arial"/>
               </a:rPr>
-              <a:t>Sinadura 5 client works with protocol-based signatures, registered in your operating system. The digital signature protocol (sinadura:// ) is registered during the client installation.  </a:t>
+              <a:t>Sinadura 5 client works with protocol-based signatures, registered in your operating system. The digital signature protocol (sinadura:// ) is registered during the installation.  </a:t>
             </a:r>
             <a:endParaRPr b="0" lang="es-ES" sz="1800" spc="-1" strike="noStrike">
               <a:solidFill>
@@ -10382,7 +10398,7 @@
             </a:endParaRPr>
           </a:p>
           <a:p>
-            <a:pPr marL="432000" indent="-320040">
+            <a:pPr marL="432000" indent="-319680">
               <a:lnSpc>
                 <a:spcPct val="100000"/>
               </a:lnSpc>
@@ -10475,7 +10491,7 @@
             </a:endParaRPr>
           </a:p>
           <a:p>
-            <a:pPr marL="457200" indent="-313200">
+            <a:pPr marL="457200" indent="-312840">
               <a:lnSpc>
                 <a:spcPct val="100000"/>
               </a:lnSpc>
@@ -10493,7 +10509,7 @@
             </a:endParaRPr>
           </a:p>
           <a:p>
-            <a:pPr marL="457200" indent="-313200">
+            <a:pPr marL="457200" indent="-312840">
               <a:lnSpc>
                 <a:spcPct val="100000"/>
               </a:lnSpc>
@@ -10580,7 +10596,7 @@
         <p:spPr>
           <a:xfrm>
             <a:off x="311760" y="444960"/>
-            <a:ext cx="8516160" cy="568440"/>
+            <a:ext cx="8515800" cy="568080"/>
           </a:xfrm>
           <a:prstGeom prst="rect">
             <a:avLst/>
@@ -10642,7 +10658,7 @@
         <p:spPr>
           <a:xfrm>
             <a:off x="743760" y="1152360"/>
-            <a:ext cx="8285400" cy="3492000"/>
+            <a:ext cx="8285040" cy="3491640"/>
           </a:xfrm>
           <a:prstGeom prst="rect">
             <a:avLst/>
@@ -10712,7 +10728,7 @@
             </a:endParaRPr>
           </a:p>
           <a:p>
-            <a:pPr marL="432000" indent="-320040">
+            <a:pPr marL="432000" indent="-319680">
               <a:lnSpc>
                 <a:spcPct val="100000"/>
               </a:lnSpc>
@@ -10751,7 +10767,7 @@
             </a:endParaRPr>
           </a:p>
           <a:p>
-            <a:pPr marL="432000" indent="-320040">
+            <a:pPr marL="432000" indent="-319680">
               <a:lnSpc>
                 <a:spcPct val="100000"/>
               </a:lnSpc>
@@ -10790,7 +10806,7 @@
             </a:endParaRPr>
           </a:p>
           <a:p>
-            <a:pPr marL="432000" indent="-320040">
+            <a:pPr marL="432000" indent="-319680">
               <a:lnSpc>
                 <a:spcPct val="100000"/>
               </a:lnSpc>
@@ -10898,7 +10914,7 @@
             </a:endParaRPr>
           </a:p>
           <a:p>
-            <a:pPr marL="432000" indent="-320040">
+            <a:pPr marL="432000" indent="-319680">
               <a:lnSpc>
                 <a:spcPct val="100000"/>
               </a:lnSpc>
@@ -10937,7 +10953,7 @@
             </a:endParaRPr>
           </a:p>
           <a:p>
-            <a:pPr marL="432000" indent="-320040">
+            <a:pPr marL="432000" indent="-319680">
               <a:lnSpc>
                 <a:spcPct val="100000"/>
               </a:lnSpc>
@@ -10976,7 +10992,7 @@
             </a:endParaRPr>
           </a:p>
           <a:p>
-            <a:pPr marL="432000" indent="-320040">
+            <a:pPr marL="432000" indent="-319680">
               <a:lnSpc>
                 <a:spcPct val="100000"/>
               </a:lnSpc>
@@ -11025,7 +11041,7 @@
         <p:spPr>
           <a:xfrm>
             <a:off x="6035040" y="2566440"/>
-            <a:ext cx="2925000" cy="1661400"/>
+            <a:ext cx="2924640" cy="1661040"/>
           </a:xfrm>
           <a:prstGeom prst="rect">
             <a:avLst/>
@@ -11085,7 +11101,7 @@
             </a:endParaRPr>
           </a:p>
           <a:p>
-            <a:pPr lvl="1" marL="864000" indent="-320040">
+            <a:pPr lvl="1" marL="864000" indent="-319680">
               <a:lnSpc>
                 <a:spcPct val="100000"/>
               </a:lnSpc>
@@ -11124,7 +11140,7 @@
             </a:endParaRPr>
           </a:p>
           <a:p>
-            <a:pPr lvl="1" marL="864000" indent="-320040">
+            <a:pPr lvl="1" marL="864000" indent="-319680">
               <a:lnSpc>
                 <a:spcPct val="100000"/>
               </a:lnSpc>
@@ -11163,7 +11179,7 @@
             </a:endParaRPr>
           </a:p>
           <a:p>
-            <a:pPr lvl="1" marL="864000" indent="-320040">
+            <a:pPr lvl="1" marL="864000" indent="-319680">
               <a:lnSpc>
                 <a:spcPct val="100000"/>
               </a:lnSpc>
@@ -11202,7 +11218,7 @@
             </a:endParaRPr>
           </a:p>
           <a:p>
-            <a:pPr lvl="1" marL="864000" indent="-320040">
+            <a:pPr lvl="1" marL="864000" indent="-319680">
               <a:lnSpc>
                 <a:spcPct val="100000"/>
               </a:lnSpc>

--- a/2017/assets/files/L09/L09-Sinadura ECM Protocol-based signatures for Alfresco [Lightning Talk (5 m)].pptx
+++ b/2017/assets/files/L09/L09-Sinadura ECM Protocol-based signatures for Alfresco [Lightning Talk (5 m)].pptx
@@ -5575,7 +5575,7 @@
         <p:spPr>
           <a:xfrm>
             <a:off x="311760" y="744480"/>
-            <a:ext cx="8515800" cy="2048040"/>
+            <a:ext cx="8515440" cy="2047680"/>
           </a:xfrm>
           <a:prstGeom prst="rect">
             <a:avLst/>
@@ -5706,7 +5706,7 @@
         <p:spPr>
           <a:xfrm>
             <a:off x="311760" y="2834280"/>
-            <a:ext cx="8515800" cy="1314360"/>
+            <a:ext cx="8515440" cy="1314000"/>
           </a:xfrm>
           <a:prstGeom prst="rect">
             <a:avLst/>
@@ -5827,7 +5827,7 @@
         <p:spPr>
           <a:xfrm>
             <a:off x="311760" y="444960"/>
-            <a:ext cx="8515800" cy="568080"/>
+            <a:ext cx="8515440" cy="567720"/>
           </a:xfrm>
           <a:prstGeom prst="rect">
             <a:avLst/>
@@ -5889,7 +5889,7 @@
         <p:spPr>
           <a:xfrm>
             <a:off x="396000" y="3861720"/>
-            <a:ext cx="5251680" cy="525960"/>
+            <a:ext cx="5251320" cy="525600"/>
           </a:xfrm>
           <a:prstGeom prst="rect">
             <a:avLst/>
@@ -5946,7 +5946,7 @@
         <p:spPr>
           <a:xfrm>
             <a:off x="396000" y="4293720"/>
-            <a:ext cx="5251680" cy="525960"/>
+            <a:ext cx="5251320" cy="525600"/>
           </a:xfrm>
           <a:prstGeom prst="rect">
             <a:avLst/>
@@ -6007,7 +6007,7 @@
         <p:spPr>
           <a:xfrm>
             <a:off x="426600" y="1239120"/>
-            <a:ext cx="8281080" cy="2291040"/>
+            <a:ext cx="8280720" cy="2290680"/>
           </a:xfrm>
           <a:prstGeom prst="rect">
             <a:avLst/>
@@ -6085,7 +6085,7 @@
         <p:spPr>
           <a:xfrm>
             <a:off x="311760" y="444960"/>
-            <a:ext cx="8515800" cy="568080"/>
+            <a:ext cx="8515440" cy="567720"/>
           </a:xfrm>
           <a:prstGeom prst="rect">
             <a:avLst/>
@@ -6147,7 +6147,7 @@
         <p:spPr>
           <a:xfrm>
             <a:off x="7236000" y="504000"/>
-            <a:ext cx="2119680" cy="525960"/>
+            <a:ext cx="2119320" cy="525600"/>
           </a:xfrm>
           <a:prstGeom prst="rect">
             <a:avLst/>
@@ -6208,7 +6208,7 @@
         <p:spPr>
           <a:xfrm>
             <a:off x="1872000" y="1152000"/>
-            <a:ext cx="5455440" cy="3739680"/>
+            <a:ext cx="5455080" cy="3739320"/>
           </a:xfrm>
           <a:prstGeom prst="rect">
             <a:avLst/>
@@ -6286,7 +6286,7 @@
         <p:spPr>
           <a:xfrm>
             <a:off x="311760" y="444960"/>
-            <a:ext cx="8515800" cy="568080"/>
+            <a:ext cx="8515440" cy="567720"/>
           </a:xfrm>
           <a:prstGeom prst="rect">
             <a:avLst/>
@@ -6352,7 +6352,7 @@
         <p:spPr>
           <a:xfrm>
             <a:off x="2520000" y="1140120"/>
-            <a:ext cx="4243680" cy="3787560"/>
+            <a:ext cx="4243320" cy="3787200"/>
           </a:xfrm>
           <a:prstGeom prst="rect">
             <a:avLst/>
@@ -6371,7 +6371,7 @@
         <p:spPr>
           <a:xfrm>
             <a:off x="7236000" y="504000"/>
-            <a:ext cx="2119680" cy="525960"/>
+            <a:ext cx="2119320" cy="525600"/>
           </a:xfrm>
           <a:prstGeom prst="rect">
             <a:avLst/>
@@ -6487,7 +6487,7 @@
         <p:spPr>
           <a:xfrm>
             <a:off x="311760" y="444960"/>
-            <a:ext cx="8515800" cy="568080"/>
+            <a:ext cx="8515440" cy="567720"/>
           </a:xfrm>
           <a:prstGeom prst="rect">
             <a:avLst/>
@@ -6549,7 +6549,7 @@
         <p:spPr>
           <a:xfrm>
             <a:off x="635760" y="1188360"/>
-            <a:ext cx="8515800" cy="3411720"/>
+            <a:ext cx="8515440" cy="3411360"/>
           </a:xfrm>
           <a:prstGeom prst="rect">
             <a:avLst/>
@@ -6619,7 +6619,7 @@
             </a:endParaRPr>
           </a:p>
           <a:p>
-            <a:pPr marL="432000" indent="-319680">
+            <a:pPr marL="432000" indent="-319320">
               <a:lnSpc>
                 <a:spcPct val="100000"/>
               </a:lnSpc>
@@ -6658,7 +6658,7 @@
             </a:endParaRPr>
           </a:p>
           <a:p>
-            <a:pPr marL="432000" indent="-319680">
+            <a:pPr marL="432000" indent="-319320">
               <a:lnSpc>
                 <a:spcPct val="100000"/>
               </a:lnSpc>
@@ -6781,7 +6781,7 @@
             </a:endParaRPr>
           </a:p>
           <a:p>
-            <a:pPr marL="432000" indent="-319680">
+            <a:pPr marL="432000" indent="-319320">
               <a:lnSpc>
                 <a:spcPct val="100000"/>
               </a:lnSpc>
@@ -6820,7 +6820,7 @@
             </a:endParaRPr>
           </a:p>
           <a:p>
-            <a:pPr marL="432000" indent="-319680">
+            <a:pPr marL="432000" indent="-319320">
               <a:lnSpc>
                 <a:spcPct val="100000"/>
               </a:lnSpc>
@@ -6859,7 +6859,7 @@
             </a:endParaRPr>
           </a:p>
           <a:p>
-            <a:pPr marL="432000" indent="-319680">
+            <a:pPr marL="432000" indent="-319320">
               <a:lnSpc>
                 <a:spcPct val="100000"/>
               </a:lnSpc>
@@ -6912,7 +6912,7 @@
         <p:spPr>
           <a:xfrm>
             <a:off x="6237360" y="3286800"/>
-            <a:ext cx="2182680" cy="777240"/>
+            <a:ext cx="2182320" cy="776880"/>
           </a:xfrm>
           <a:prstGeom prst="rect">
             <a:avLst/>
@@ -6935,7 +6935,7 @@
         <p:spPr>
           <a:xfrm>
             <a:off x="7037280" y="441360"/>
-            <a:ext cx="698400" cy="643680"/>
+            <a:ext cx="698040" cy="643320"/>
           </a:xfrm>
           <a:prstGeom prst="rect">
             <a:avLst/>
@@ -6954,7 +6954,7 @@
         <p:spPr>
           <a:xfrm>
             <a:off x="576000" y="4365720"/>
-            <a:ext cx="8311680" cy="309960"/>
+            <a:ext cx="8311320" cy="309600"/>
           </a:xfrm>
           <a:prstGeom prst="rect">
             <a:avLst/>
@@ -6973,7 +6973,7 @@
         <p:txBody>
           <a:bodyPr lIns="90000" rIns="90000" tIns="45000" bIns="45000"/>
           <a:p>
-            <a:pPr marL="216000" indent="-211680">
+            <a:pPr marL="216000" indent="-211320">
               <a:lnSpc>
                 <a:spcPct val="100000"/>
               </a:lnSpc>
@@ -6997,7 +6997,7 @@
                 <a:latin typeface="Arial"/>
                 <a:ea typeface="Arial"/>
               </a:rPr>
-              <a:t>https://www.github.com/zylklab/sinadura-alfresco</a:t>
+              <a:t>https://www.github.com/zylklab/alfresco-sinadura</a:t>
             </a:r>
             <a:endParaRPr b="0" lang="es-ES" sz="1800" spc="-1" strike="noStrike">
               <a:solidFill>
@@ -7022,7 +7022,7 @@
         <p:spPr>
           <a:xfrm>
             <a:off x="5688000" y="1641240"/>
-            <a:ext cx="3323520" cy="272160"/>
+            <a:ext cx="3323160" cy="271800"/>
           </a:xfrm>
           <a:prstGeom prst="rect">
             <a:avLst/>
@@ -7072,9 +7072,9 @@
               <a:t> → </a:t>
             </a:r>
             <a:r>
-              <a:rPr b="0" lang="es-ES" sz="1230" spc="-1" strike="noStrike">
-                <a:solidFill>
-                  <a:srgbClr val="000000"/>
+              <a:rPr b="0" lang="es-ES" sz="1230" spc="-1" strike="noStrike" u="sng">
+                <a:solidFill>
+                  <a:srgbClr val="0000ff"/>
                 </a:solidFill>
                 <a:uFill>
                   <a:solidFill>
@@ -7169,7 +7169,7 @@
         <p:spPr>
           <a:xfrm>
             <a:off x="311760" y="444960"/>
-            <a:ext cx="8515800" cy="568080"/>
+            <a:ext cx="8515440" cy="567720"/>
           </a:xfrm>
           <a:prstGeom prst="rect">
             <a:avLst/>
@@ -7231,7 +7231,7 @@
         <p:spPr>
           <a:xfrm>
             <a:off x="599760" y="1152360"/>
-            <a:ext cx="8467920" cy="3411720"/>
+            <a:ext cx="8467560" cy="3411360"/>
           </a:xfrm>
           <a:prstGeom prst="rect">
             <a:avLst/>
@@ -7301,7 +7301,7 @@
             </a:endParaRPr>
           </a:p>
           <a:p>
-            <a:pPr marL="432000" indent="-319680">
+            <a:pPr marL="432000" indent="-319320">
               <a:lnSpc>
                 <a:spcPct val="100000"/>
               </a:lnSpc>
@@ -7325,7 +7325,7 @@
                 <a:latin typeface="Arial"/>
                 <a:ea typeface="Arial"/>
               </a:rPr>
-              <a:t>https://www.github.com/zylklab/sinadura-alfresco</a:t>
+              <a:t>https://www.github.com/zylklab/alfresco-sinadura</a:t>
             </a:r>
             <a:endParaRPr b="0" lang="es-ES" sz="1800" spc="-1" strike="noStrike">
               <a:solidFill>
@@ -7409,7 +7409,7 @@
             </a:endParaRPr>
           </a:p>
           <a:p>
-            <a:pPr marL="432000" indent="-319680">
+            <a:pPr marL="432000" indent="-319320">
               <a:lnSpc>
                 <a:spcPct val="100000"/>
               </a:lnSpc>
@@ -7448,7 +7448,7 @@
             </a:endParaRPr>
           </a:p>
           <a:p>
-            <a:pPr marL="432000" indent="-319680">
+            <a:pPr marL="432000" indent="-319320">
               <a:lnSpc>
                 <a:spcPct val="100000"/>
               </a:lnSpc>
@@ -7487,7 +7487,7 @@
             </a:endParaRPr>
           </a:p>
           <a:p>
-            <a:pPr marL="432000" indent="-319680">
+            <a:pPr marL="432000" indent="-319320">
               <a:lnSpc>
                 <a:spcPct val="100000"/>
               </a:lnSpc>
@@ -7526,7 +7526,7 @@
             </a:endParaRPr>
           </a:p>
           <a:p>
-            <a:pPr marL="432000" indent="-319680">
+            <a:pPr marL="432000" indent="-319320">
               <a:lnSpc>
                 <a:spcPct val="100000"/>
               </a:lnSpc>
@@ -7601,7 +7601,7 @@
             </a:endParaRPr>
           </a:p>
           <a:p>
-            <a:pPr marL="457200" indent="-312840">
+            <a:pPr marL="457200" indent="-312480">
               <a:lnSpc>
                 <a:spcPct val="100000"/>
               </a:lnSpc>
@@ -7619,7 +7619,7 @@
             </a:endParaRPr>
           </a:p>
           <a:p>
-            <a:pPr marL="457200" indent="-312840">
+            <a:pPr marL="457200" indent="-312480">
               <a:lnSpc>
                 <a:spcPct val="100000"/>
               </a:lnSpc>
@@ -7706,7 +7706,7 @@
         <p:spPr>
           <a:xfrm>
             <a:off x="311760" y="-155520"/>
-            <a:ext cx="8515800" cy="2048040"/>
+            <a:ext cx="8515440" cy="2047680"/>
           </a:xfrm>
           <a:prstGeom prst="rect">
             <a:avLst/>
@@ -7768,7 +7768,7 @@
         <p:spPr>
           <a:xfrm>
             <a:off x="311760" y="2834280"/>
-            <a:ext cx="8515800" cy="1314360"/>
+            <a:ext cx="8515440" cy="1314000"/>
           </a:xfrm>
           <a:prstGeom prst="rect">
             <a:avLst/>
@@ -7899,7 +7899,7 @@
         <p:spPr>
           <a:xfrm>
             <a:off x="2016000" y="4432680"/>
-            <a:ext cx="5755680" cy="616680"/>
+            <a:ext cx="5755320" cy="616320"/>
           </a:xfrm>
           <a:prstGeom prst="rect">
             <a:avLst/>
@@ -8015,7 +8015,7 @@
         <p:spPr>
           <a:xfrm>
             <a:off x="311760" y="444960"/>
-            <a:ext cx="8515800" cy="568080"/>
+            <a:ext cx="8515440" cy="567720"/>
           </a:xfrm>
           <a:prstGeom prst="rect">
             <a:avLst/>
@@ -8077,7 +8077,7 @@
         <p:spPr>
           <a:xfrm>
             <a:off x="311760" y="1152360"/>
-            <a:ext cx="8251920" cy="3411720"/>
+            <a:ext cx="8251560" cy="3411360"/>
           </a:xfrm>
           <a:prstGeom prst="rect">
             <a:avLst/>
@@ -8147,7 +8147,7 @@
             </a:endParaRPr>
           </a:p>
           <a:p>
-            <a:pPr marL="457200" indent="-312840">
+            <a:pPr marL="457200" indent="-312480">
               <a:lnSpc>
                 <a:spcPct val="100000"/>
               </a:lnSpc>
@@ -8165,7 +8165,7 @@
             </a:endParaRPr>
           </a:p>
           <a:p>
-            <a:pPr marL="457200" indent="-312840">
+            <a:pPr marL="457200" indent="-312480">
               <a:lnSpc>
                 <a:spcPct val="100000"/>
               </a:lnSpc>
@@ -8197,7 +8197,7 @@
         <p:spPr>
           <a:xfrm>
             <a:off x="468000" y="2952000"/>
-            <a:ext cx="3118680" cy="1111680"/>
+            <a:ext cx="3118320" cy="1111320"/>
           </a:xfrm>
           <a:prstGeom prst="rect">
             <a:avLst/>
@@ -8220,7 +8220,7 @@
         <p:spPr>
           <a:xfrm>
             <a:off x="8352000" y="4250880"/>
-            <a:ext cx="698400" cy="643680"/>
+            <a:ext cx="698040" cy="643320"/>
           </a:xfrm>
           <a:prstGeom prst="rect">
             <a:avLst/>
@@ -8239,7 +8239,7 @@
         <p:spPr>
           <a:xfrm>
             <a:off x="396000" y="4365720"/>
-            <a:ext cx="3595680" cy="597960"/>
+            <a:ext cx="3595320" cy="597600"/>
           </a:xfrm>
           <a:prstGeom prst="rect">
             <a:avLst/>
@@ -8296,7 +8296,7 @@
         <p:spPr>
           <a:xfrm>
             <a:off x="371880" y="2224080"/>
-            <a:ext cx="4771800" cy="597960"/>
+            <a:ext cx="4771440" cy="597600"/>
           </a:xfrm>
           <a:prstGeom prst="rect">
             <a:avLst/>
@@ -8412,7 +8412,7 @@
         <p:spPr>
           <a:xfrm>
             <a:off x="311760" y="444960"/>
-            <a:ext cx="8515800" cy="568080"/>
+            <a:ext cx="8515440" cy="567720"/>
           </a:xfrm>
           <a:prstGeom prst="rect">
             <a:avLst/>
@@ -8469,7 +8469,7 @@
         <p:spPr>
           <a:xfrm>
             <a:off x="326520" y="1152360"/>
-            <a:ext cx="8515800" cy="3411720"/>
+            <a:ext cx="8515440" cy="3411360"/>
           </a:xfrm>
           <a:prstGeom prst="rect">
             <a:avLst/>
@@ -8554,7 +8554,7 @@
             </a:endParaRPr>
           </a:p>
           <a:p>
-            <a:pPr marL="432000" indent="-319680">
+            <a:pPr marL="432000" indent="-319320">
               <a:lnSpc>
                 <a:spcPct val="100000"/>
               </a:lnSpc>
@@ -8623,7 +8623,7 @@
             </a:endParaRPr>
           </a:p>
           <a:p>
-            <a:pPr marL="432000" indent="-319680">
+            <a:pPr marL="432000" indent="-319320">
               <a:lnSpc>
                 <a:spcPct val="100000"/>
               </a:lnSpc>
@@ -8692,7 +8692,7 @@
             </a:endParaRPr>
           </a:p>
           <a:p>
-            <a:pPr marL="432000" indent="-319680">
+            <a:pPr marL="432000" indent="-319320">
               <a:lnSpc>
                 <a:spcPct val="100000"/>
               </a:lnSpc>
@@ -8761,7 +8761,7 @@
             </a:endParaRPr>
           </a:p>
           <a:p>
-            <a:pPr marL="432000" indent="-319680">
+            <a:pPr marL="432000" indent="-319320">
               <a:lnSpc>
                 <a:spcPct val="100000"/>
               </a:lnSpc>
@@ -8800,7 +8800,7 @@
             </a:endParaRPr>
           </a:p>
           <a:p>
-            <a:pPr marL="457200" indent="-312840">
+            <a:pPr marL="457200" indent="-312480">
               <a:lnSpc>
                 <a:spcPct val="100000"/>
               </a:lnSpc>
@@ -8818,7 +8818,7 @@
             </a:endParaRPr>
           </a:p>
           <a:p>
-            <a:pPr marL="457200" indent="-312840">
+            <a:pPr marL="457200" indent="-312480">
               <a:lnSpc>
                 <a:spcPct val="100000"/>
               </a:lnSpc>
@@ -8846,7 +8846,7 @@
         <p:spPr>
           <a:xfrm>
             <a:off x="3181680" y="4540320"/>
-            <a:ext cx="2934000" cy="351360"/>
+            <a:ext cx="2933640" cy="351000"/>
           </a:xfrm>
           <a:prstGeom prst="rect">
             <a:avLst/>
@@ -8907,7 +8907,7 @@
         <p:spPr>
           <a:xfrm>
             <a:off x="8348760" y="4320000"/>
-            <a:ext cx="574920" cy="574920"/>
+            <a:ext cx="574560" cy="574560"/>
           </a:xfrm>
           <a:prstGeom prst="rect">
             <a:avLst/>
@@ -8985,7 +8985,7 @@
         <p:spPr>
           <a:xfrm>
             <a:off x="311760" y="444960"/>
-            <a:ext cx="8515800" cy="568080"/>
+            <a:ext cx="8515440" cy="567720"/>
           </a:xfrm>
           <a:prstGeom prst="rect">
             <a:avLst/>
@@ -9042,7 +9042,7 @@
         <p:spPr>
           <a:xfrm>
             <a:off x="3181680" y="4680000"/>
-            <a:ext cx="2934000" cy="351360"/>
+            <a:ext cx="2933640" cy="351000"/>
           </a:xfrm>
           <a:prstGeom prst="rect">
             <a:avLst/>
@@ -9103,7 +9103,7 @@
         <p:spPr>
           <a:xfrm>
             <a:off x="8348760" y="4320000"/>
-            <a:ext cx="574920" cy="574920"/>
+            <a:ext cx="574560" cy="574560"/>
           </a:xfrm>
           <a:prstGeom prst="rect">
             <a:avLst/>
@@ -9126,7 +9126,7 @@
         <p:spPr>
           <a:xfrm>
             <a:off x="1512000" y="1094760"/>
-            <a:ext cx="6259680" cy="3472920"/>
+            <a:ext cx="6259320" cy="3472560"/>
           </a:xfrm>
           <a:prstGeom prst="rect">
             <a:avLst/>
@@ -9145,7 +9145,7 @@
         <p:spPr>
           <a:xfrm>
             <a:off x="2268000" y="3924000"/>
-            <a:ext cx="4567680" cy="342000"/>
+            <a:ext cx="4567320" cy="341640"/>
           </a:xfrm>
           <a:prstGeom prst="rect">
             <a:avLst/>
@@ -9261,7 +9261,7 @@
         <p:spPr>
           <a:xfrm>
             <a:off x="311760" y="444960"/>
-            <a:ext cx="8515800" cy="568080"/>
+            <a:ext cx="8515440" cy="567720"/>
           </a:xfrm>
           <a:prstGeom prst="rect">
             <a:avLst/>
@@ -9322,7 +9322,7 @@
         <p:spPr>
           <a:xfrm>
             <a:off x="8348760" y="4320000"/>
-            <a:ext cx="574920" cy="574920"/>
+            <a:ext cx="574560" cy="574560"/>
           </a:xfrm>
           <a:prstGeom prst="rect">
             <a:avLst/>
@@ -9345,7 +9345,7 @@
         <p:spPr>
           <a:xfrm>
             <a:off x="1512000" y="1135800"/>
-            <a:ext cx="6381000" cy="3251880"/>
+            <a:ext cx="6380640" cy="3251520"/>
           </a:xfrm>
           <a:prstGeom prst="rect">
             <a:avLst/>
@@ -9364,7 +9364,7 @@
         <p:spPr>
           <a:xfrm>
             <a:off x="1800000" y="4680000"/>
-            <a:ext cx="6583680" cy="597960"/>
+            <a:ext cx="6583320" cy="597600"/>
           </a:xfrm>
           <a:prstGeom prst="rect">
             <a:avLst/>
@@ -9480,7 +9480,7 @@
         <p:spPr>
           <a:xfrm>
             <a:off x="311760" y="444960"/>
-            <a:ext cx="8515800" cy="568080"/>
+            <a:ext cx="8515440" cy="567720"/>
           </a:xfrm>
           <a:prstGeom prst="rect">
             <a:avLst/>
@@ -9542,7 +9542,7 @@
         <p:spPr>
           <a:xfrm>
             <a:off x="347760" y="1152360"/>
-            <a:ext cx="8515800" cy="3411720"/>
+            <a:ext cx="8515440" cy="3411360"/>
           </a:xfrm>
           <a:prstGeom prst="rect">
             <a:avLst/>
@@ -9597,7 +9597,7 @@
             </a:endParaRPr>
           </a:p>
           <a:p>
-            <a:pPr marL="432000" indent="-319680">
+            <a:pPr marL="432000" indent="-319320">
               <a:lnSpc>
                 <a:spcPct val="100000"/>
               </a:lnSpc>
@@ -9666,7 +9666,7 @@
             </a:endParaRPr>
           </a:p>
           <a:p>
-            <a:pPr marL="432000" indent="-319680">
+            <a:pPr marL="432000" indent="-319320">
               <a:lnSpc>
                 <a:spcPct val="100000"/>
               </a:lnSpc>
@@ -9705,7 +9705,7 @@
             </a:endParaRPr>
           </a:p>
           <a:p>
-            <a:pPr marL="432000" indent="-319680">
+            <a:pPr marL="432000" indent="-319320">
               <a:lnSpc>
                 <a:spcPct val="100000"/>
               </a:lnSpc>
@@ -9744,7 +9744,7 @@
             </a:endParaRPr>
           </a:p>
           <a:p>
-            <a:pPr marL="432000" indent="-319680">
+            <a:pPr marL="432000" indent="-319320">
               <a:lnSpc>
                 <a:spcPct val="100000"/>
               </a:lnSpc>
@@ -9783,7 +9783,7 @@
             </a:endParaRPr>
           </a:p>
           <a:p>
-            <a:pPr marL="432000" indent="-319680">
+            <a:pPr marL="432000" indent="-319320">
               <a:lnSpc>
                 <a:spcPct val="100000"/>
               </a:lnSpc>
@@ -9858,7 +9858,7 @@
             </a:endParaRPr>
           </a:p>
           <a:p>
-            <a:pPr marL="457200" indent="-312840">
+            <a:pPr marL="457200" indent="-312480">
               <a:lnSpc>
                 <a:spcPct val="100000"/>
               </a:lnSpc>
@@ -9876,7 +9876,7 @@
             </a:endParaRPr>
           </a:p>
           <a:p>
-            <a:pPr marL="457200" indent="-312840">
+            <a:pPr marL="457200" indent="-312480">
               <a:lnSpc>
                 <a:spcPct val="100000"/>
               </a:lnSpc>
@@ -9963,7 +9963,7 @@
         <p:spPr>
           <a:xfrm>
             <a:off x="311760" y="444960"/>
-            <a:ext cx="8515800" cy="568080"/>
+            <a:ext cx="8515440" cy="567720"/>
           </a:xfrm>
           <a:prstGeom prst="rect">
             <a:avLst/>
@@ -10029,7 +10029,7 @@
         <p:spPr>
           <a:xfrm>
             <a:off x="1728000" y="1116000"/>
-            <a:ext cx="5657400" cy="3782520"/>
+            <a:ext cx="5657040" cy="3782160"/>
           </a:xfrm>
           <a:prstGeom prst="rect">
             <a:avLst/>
@@ -10107,7 +10107,7 @@
         <p:spPr>
           <a:xfrm>
             <a:off x="311760" y="444960"/>
-            <a:ext cx="8515800" cy="568080"/>
+            <a:ext cx="8515440" cy="567720"/>
           </a:xfrm>
           <a:prstGeom prst="rect">
             <a:avLst/>
@@ -10169,7 +10169,7 @@
         <p:spPr>
           <a:xfrm>
             <a:off x="563760" y="1404360"/>
-            <a:ext cx="8515800" cy="3411720"/>
+            <a:ext cx="8515440" cy="3411360"/>
           </a:xfrm>
           <a:prstGeom prst="rect">
             <a:avLst/>
@@ -10239,7 +10239,7 @@
             </a:endParaRPr>
           </a:p>
           <a:p>
-            <a:pPr marL="432000" indent="-319680">
+            <a:pPr marL="432000" indent="-319320">
               <a:lnSpc>
                 <a:spcPct val="100000"/>
               </a:lnSpc>
@@ -10398,7 +10398,7 @@
             </a:endParaRPr>
           </a:p>
           <a:p>
-            <a:pPr marL="432000" indent="-319680">
+            <a:pPr marL="432000" indent="-319320">
               <a:lnSpc>
                 <a:spcPct val="100000"/>
               </a:lnSpc>
@@ -10491,7 +10491,7 @@
             </a:endParaRPr>
           </a:p>
           <a:p>
-            <a:pPr marL="457200" indent="-312840">
+            <a:pPr marL="457200" indent="-312480">
               <a:lnSpc>
                 <a:spcPct val="100000"/>
               </a:lnSpc>
@@ -10509,7 +10509,7 @@
             </a:endParaRPr>
           </a:p>
           <a:p>
-            <a:pPr marL="457200" indent="-312840">
+            <a:pPr marL="457200" indent="-312480">
               <a:lnSpc>
                 <a:spcPct val="100000"/>
               </a:lnSpc>
@@ -10596,7 +10596,7 @@
         <p:spPr>
           <a:xfrm>
             <a:off x="311760" y="444960"/>
-            <a:ext cx="8515800" cy="568080"/>
+            <a:ext cx="8515440" cy="567720"/>
           </a:xfrm>
           <a:prstGeom prst="rect">
             <a:avLst/>
@@ -10658,7 +10658,7 @@
         <p:spPr>
           <a:xfrm>
             <a:off x="743760" y="1152360"/>
-            <a:ext cx="8285040" cy="3491640"/>
+            <a:ext cx="8284680" cy="3491280"/>
           </a:xfrm>
           <a:prstGeom prst="rect">
             <a:avLst/>
@@ -10728,7 +10728,7 @@
             </a:endParaRPr>
           </a:p>
           <a:p>
-            <a:pPr marL="432000" indent="-319680">
+            <a:pPr marL="432000" indent="-319320">
               <a:lnSpc>
                 <a:spcPct val="100000"/>
               </a:lnSpc>
@@ -10767,7 +10767,7 @@
             </a:endParaRPr>
           </a:p>
           <a:p>
-            <a:pPr marL="432000" indent="-319680">
+            <a:pPr marL="432000" indent="-319320">
               <a:lnSpc>
                 <a:spcPct val="100000"/>
               </a:lnSpc>
@@ -10806,7 +10806,7 @@
             </a:endParaRPr>
           </a:p>
           <a:p>
-            <a:pPr marL="432000" indent="-319680">
+            <a:pPr marL="432000" indent="-319320">
               <a:lnSpc>
                 <a:spcPct val="100000"/>
               </a:lnSpc>
@@ -10914,7 +10914,7 @@
             </a:endParaRPr>
           </a:p>
           <a:p>
-            <a:pPr marL="432000" indent="-319680">
+            <a:pPr marL="432000" indent="-319320">
               <a:lnSpc>
                 <a:spcPct val="100000"/>
               </a:lnSpc>
@@ -10953,7 +10953,7 @@
             </a:endParaRPr>
           </a:p>
           <a:p>
-            <a:pPr marL="432000" indent="-319680">
+            <a:pPr marL="432000" indent="-319320">
               <a:lnSpc>
                 <a:spcPct val="100000"/>
               </a:lnSpc>
@@ -10992,7 +10992,7 @@
             </a:endParaRPr>
           </a:p>
           <a:p>
-            <a:pPr marL="432000" indent="-319680">
+            <a:pPr marL="432000" indent="-319320">
               <a:lnSpc>
                 <a:spcPct val="100000"/>
               </a:lnSpc>
@@ -11041,7 +11041,7 @@
         <p:spPr>
           <a:xfrm>
             <a:off x="6035040" y="2566440"/>
-            <a:ext cx="2924640" cy="1661040"/>
+            <a:ext cx="2924280" cy="1660680"/>
           </a:xfrm>
           <a:prstGeom prst="rect">
             <a:avLst/>
@@ -11101,7 +11101,7 @@
             </a:endParaRPr>
           </a:p>
           <a:p>
-            <a:pPr lvl="1" marL="864000" indent="-319680">
+            <a:pPr lvl="1" marL="864000" indent="-319320">
               <a:lnSpc>
                 <a:spcPct val="100000"/>
               </a:lnSpc>
@@ -11140,7 +11140,7 @@
             </a:endParaRPr>
           </a:p>
           <a:p>
-            <a:pPr lvl="1" marL="864000" indent="-319680">
+            <a:pPr lvl="1" marL="864000" indent="-319320">
               <a:lnSpc>
                 <a:spcPct val="100000"/>
               </a:lnSpc>
@@ -11179,7 +11179,7 @@
             </a:endParaRPr>
           </a:p>
           <a:p>
-            <a:pPr lvl="1" marL="864000" indent="-319680">
+            <a:pPr lvl="1" marL="864000" indent="-319320">
               <a:lnSpc>
                 <a:spcPct val="100000"/>
               </a:lnSpc>
@@ -11218,7 +11218,7 @@
             </a:endParaRPr>
           </a:p>
           <a:p>
-            <a:pPr lvl="1" marL="864000" indent="-319680">
+            <a:pPr lvl="1" marL="864000" indent="-319320">
               <a:lnSpc>
                 <a:spcPct val="100000"/>
               </a:lnSpc>
